--- a/lessons/github-desktop.pptx
+++ b/lessons/github-desktop.pptx
@@ -79,7 +79,7 @@
         <p:txBody>
           <a:bodyPr/>
           <a:p>
-            <a:fld id="{03CAC583-5E0A-46E1-92C9-4CED91B5AE7B}" type="slidenum">
+            <a:fld id="{461FC80F-27B9-460A-BFBE-5F4E0463414A}" type="slidenum">
               <a:t>&lt;#&gt;</a:t>
             </a:fld>
           </a:p>
@@ -288,7 +288,7 @@
         <p:txBody>
           <a:bodyPr/>
           <a:p>
-            <a:fld id="{AC093575-1552-4FBA-A7CC-F2F16104CAD1}" type="slidenum">
+            <a:fld id="{1C73A40D-2987-4054-845C-F7A2112D59CF}" type="slidenum">
               <a:t>&lt;#&gt;</a:t>
             </a:fld>
           </a:p>
@@ -583,7 +583,7 @@
         <p:txBody>
           <a:bodyPr/>
           <a:p>
-            <a:fld id="{D6718545-D92D-4327-8296-8283F83E8893}" type="slidenum">
+            <a:fld id="{389DC144-A709-4B81-91CA-F7F61405F465}" type="slidenum">
               <a:t>&lt;#&gt;</a:t>
             </a:fld>
           </a:p>
@@ -964,7 +964,7 @@
         <p:txBody>
           <a:bodyPr/>
           <a:p>
-            <a:fld id="{1DF793B7-1C18-4164-B3D0-8C426F589EAB}" type="slidenum">
+            <a:fld id="{57B113A5-53EC-44A7-8093-063D69CD9082}" type="slidenum">
               <a:t>&lt;#&gt;</a:t>
             </a:fld>
           </a:p>
@@ -1127,7 +1127,7 @@
         <p:txBody>
           <a:bodyPr/>
           <a:p>
-            <a:fld id="{96BE3A54-44D3-43AA-B0B3-166A71596E46}" type="slidenum">
+            <a:fld id="{4CC16C65-33E2-4861-8648-BAD9D8847C18}" type="slidenum">
               <a:t>&lt;#&gt;</a:t>
             </a:fld>
           </a:p>
@@ -1293,7 +1293,7 @@
         <p:txBody>
           <a:bodyPr/>
           <a:p>
-            <a:fld id="{01A35CE7-F2D5-4B59-9F33-4E291E0DB88D}" type="slidenum">
+            <a:fld id="{C9B174F5-BEB6-4123-8E6B-1E18E00F8681}" type="slidenum">
               <a:t>&lt;#&gt;</a:t>
             </a:fld>
           </a:p>
@@ -1502,7 +1502,7 @@
         <p:txBody>
           <a:bodyPr/>
           <a:p>
-            <a:fld id="{FD95F185-7D35-4060-BBDB-FD5004371E8A}" type="slidenum">
+            <a:fld id="{C578D412-79F4-4FB0-AD84-9D643FA8E059}" type="slidenum">
               <a:t>&lt;#&gt;</a:t>
             </a:fld>
           </a:p>
@@ -1625,7 +1625,7 @@
         <p:txBody>
           <a:bodyPr/>
           <a:p>
-            <a:fld id="{A3DB9F46-5DBC-4F91-873F-67A51ADB55F6}" type="slidenum">
+            <a:fld id="{C142B7F3-7A58-417D-A482-056CA4803BD0}" type="slidenum">
               <a:t>&lt;#&gt;</a:t>
             </a:fld>
           </a:p>
@@ -1746,7 +1746,7 @@
         <p:txBody>
           <a:bodyPr/>
           <a:p>
-            <a:fld id="{A9CFDC98-77D7-47F9-A884-BAAB4CE14FD4}" type="slidenum">
+            <a:fld id="{C5B355C4-3D76-417B-8774-1D9D6ACEA9BA}" type="slidenum">
               <a:t>&lt;#&gt;</a:t>
             </a:fld>
           </a:p>
@@ -1998,7 +1998,7 @@
         <p:txBody>
           <a:bodyPr/>
           <a:p>
-            <a:fld id="{56BDD0B5-38F4-42B7-9D6F-76501780753B}" type="slidenum">
+            <a:fld id="{0E5E3D09-AD0F-4513-9AE5-73EBF760E14C}" type="slidenum">
               <a:t>&lt;#&gt;</a:t>
             </a:fld>
           </a:p>
@@ -2250,7 +2250,7 @@
         <p:txBody>
           <a:bodyPr/>
           <a:p>
-            <a:fld id="{2507188C-6956-4981-AE3F-E0741CACC30B}" type="slidenum">
+            <a:fld id="{8950D62A-678B-45E1-8F14-DFE32096B042}" type="slidenum">
               <a:t>&lt;#&gt;</a:t>
             </a:fld>
           </a:p>
@@ -2502,7 +2502,7 @@
         <p:txBody>
           <a:bodyPr/>
           <a:p>
-            <a:fld id="{0D9BE20F-EDAE-47AC-9052-6CED00E1C588}" type="slidenum">
+            <a:fld id="{447222CC-FBB2-49B1-B18C-0A3A7EF0A88C}" type="slidenum">
               <a:t>&lt;#&gt;</a:t>
             </a:fld>
           </a:p>
@@ -2987,7 +2987,7 @@
             <a:pPr indent="0" algn="r">
               <a:buNone/>
             </a:pPr>
-            <a:fld id="{32392762-1F59-48F1-A269-E4EF6C8192AC}" type="slidenum">
+            <a:fld id="{54CB7423-3382-4236-9842-01849893793C}" type="slidenum">
               <a:rPr b="0" lang="en-US" sz="1400" spc="-1" strike="noStrike">
                 <a:solidFill>
                   <a:srgbClr val="000000"/>
@@ -4801,7 +4801,7 @@
         </p:blipFill>
         <p:spPr>
           <a:xfrm>
-            <a:off x="2743200" y="1076760"/>
+            <a:off x="2743200" y="1364760"/>
             <a:ext cx="4590720" cy="3952440"/>
           </a:xfrm>
           <a:prstGeom prst="rect">
@@ -4821,7 +4821,7 @@
         <p:spPr>
           <a:xfrm>
             <a:off x="2286000" y="228600"/>
-            <a:ext cx="5486400" cy="858240"/>
+            <a:ext cx="5486400" cy="1114200"/>
           </a:xfrm>
           <a:prstGeom prst="rect">
             <a:avLst/>
@@ -4844,7 +4844,34 @@
                 </a:solidFill>
                 <a:latin typeface="Arial"/>
               </a:rPr>
-              <a:t>The choose your main repository and choose the folder your created in step 1</a:t>
+              <a:t>The choose your main repository and choose the folder your created in step 1. </a:t>
+            </a:r>
+            <a:endParaRPr b="0" lang="en-US" sz="1800" spc="-1" strike="noStrike">
+              <a:solidFill>
+                <a:srgbClr val="ff4000"/>
+              </a:solidFill>
+              <a:latin typeface="Arial"/>
+            </a:endParaRPr>
+          </a:p>
+          <a:p>
+            <a:pPr algn="ctr"/>
+            <a:endParaRPr b="0" lang="en-US" sz="1800" spc="-1" strike="noStrike">
+              <a:solidFill>
+                <a:srgbClr val="ff4000"/>
+              </a:solidFill>
+              <a:latin typeface="Arial"/>
+            </a:endParaRPr>
+          </a:p>
+          <a:p>
+            <a:pPr algn="ctr"/>
+            <a:r>
+              <a:rPr b="0" lang="en-US" sz="1800" spc="-1" strike="noStrike">
+                <a:solidFill>
+                  <a:srgbClr val="ff4000"/>
+                </a:solidFill>
+                <a:latin typeface="Arial"/>
+              </a:rPr>
+              <a:t>Then Hit “Clone”</a:t>
             </a:r>
             <a:endParaRPr b="0" lang="en-US" sz="1800" spc="-1" strike="noStrike">
               <a:solidFill>

--- a/lessons/github-desktop.pptx
+++ b/lessons/github-desktop.pptx
@@ -79,7 +79,7 @@
         <p:txBody>
           <a:bodyPr/>
           <a:p>
-            <a:fld id="{461FC80F-27B9-460A-BFBE-5F4E0463414A}" type="slidenum">
+            <a:fld id="{0C94B5A3-B4D4-4C3A-A396-A58E2DAB06A4}" type="slidenum">
               <a:t>&lt;#&gt;</a:t>
             </a:fld>
           </a:p>
@@ -288,7 +288,7 @@
         <p:txBody>
           <a:bodyPr/>
           <a:p>
-            <a:fld id="{1C73A40D-2987-4054-845C-F7A2112D59CF}" type="slidenum">
+            <a:fld id="{80C01D73-F698-4356-8D95-5A8BDB786AE5}" type="slidenum">
               <a:t>&lt;#&gt;</a:t>
             </a:fld>
           </a:p>
@@ -583,7 +583,7 @@
         <p:txBody>
           <a:bodyPr/>
           <a:p>
-            <a:fld id="{389DC144-A709-4B81-91CA-F7F61405F465}" type="slidenum">
+            <a:fld id="{218BCC79-EF61-4605-893A-B51C47939FCA}" type="slidenum">
               <a:t>&lt;#&gt;</a:t>
             </a:fld>
           </a:p>
@@ -964,7 +964,7 @@
         <p:txBody>
           <a:bodyPr/>
           <a:p>
-            <a:fld id="{57B113A5-53EC-44A7-8093-063D69CD9082}" type="slidenum">
+            <a:fld id="{92BBACBD-B574-487F-BD4A-DCC6F6117E07}" type="slidenum">
               <a:t>&lt;#&gt;</a:t>
             </a:fld>
           </a:p>
@@ -1127,7 +1127,7 @@
         <p:txBody>
           <a:bodyPr/>
           <a:p>
-            <a:fld id="{4CC16C65-33E2-4861-8648-BAD9D8847C18}" type="slidenum">
+            <a:fld id="{3381AC51-8A58-4CC0-A8D6-1D3F914C4B04}" type="slidenum">
               <a:t>&lt;#&gt;</a:t>
             </a:fld>
           </a:p>
@@ -1293,7 +1293,7 @@
         <p:txBody>
           <a:bodyPr/>
           <a:p>
-            <a:fld id="{C9B174F5-BEB6-4123-8E6B-1E18E00F8681}" type="slidenum">
+            <a:fld id="{840A699C-9E36-422E-98B0-9B0A7369E07E}" type="slidenum">
               <a:t>&lt;#&gt;</a:t>
             </a:fld>
           </a:p>
@@ -1502,7 +1502,7 @@
         <p:txBody>
           <a:bodyPr/>
           <a:p>
-            <a:fld id="{C578D412-79F4-4FB0-AD84-9D643FA8E059}" type="slidenum">
+            <a:fld id="{B182787E-1E08-4D62-8467-78F2BFD4D975}" type="slidenum">
               <a:t>&lt;#&gt;</a:t>
             </a:fld>
           </a:p>
@@ -1625,7 +1625,7 @@
         <p:txBody>
           <a:bodyPr/>
           <a:p>
-            <a:fld id="{C142B7F3-7A58-417D-A482-056CA4803BD0}" type="slidenum">
+            <a:fld id="{ED22C574-7F90-428A-A5D9-3075614E932B}" type="slidenum">
               <a:t>&lt;#&gt;</a:t>
             </a:fld>
           </a:p>
@@ -1746,7 +1746,7 @@
         <p:txBody>
           <a:bodyPr/>
           <a:p>
-            <a:fld id="{C5B355C4-3D76-417B-8774-1D9D6ACEA9BA}" type="slidenum">
+            <a:fld id="{E69F247D-94AB-4043-90BB-DB76F98FB0CD}" type="slidenum">
               <a:t>&lt;#&gt;</a:t>
             </a:fld>
           </a:p>
@@ -1998,7 +1998,7 @@
         <p:txBody>
           <a:bodyPr/>
           <a:p>
-            <a:fld id="{0E5E3D09-AD0F-4513-9AE5-73EBF760E14C}" type="slidenum">
+            <a:fld id="{04CDD273-C9E8-4A6C-9406-B4DD6D5612EA}" type="slidenum">
               <a:t>&lt;#&gt;</a:t>
             </a:fld>
           </a:p>
@@ -2250,7 +2250,7 @@
         <p:txBody>
           <a:bodyPr/>
           <a:p>
-            <a:fld id="{8950D62A-678B-45E1-8F14-DFE32096B042}" type="slidenum">
+            <a:fld id="{880FE768-AED6-4DDE-B5BD-EEBF7031371D}" type="slidenum">
               <a:t>&lt;#&gt;</a:t>
             </a:fld>
           </a:p>
@@ -2502,7 +2502,7 @@
         <p:txBody>
           <a:bodyPr/>
           <a:p>
-            <a:fld id="{447222CC-FBB2-49B1-B18C-0A3A7EF0A88C}" type="slidenum">
+            <a:fld id="{B71A7576-3D83-4594-8C33-162FE6D989F0}" type="slidenum">
               <a:t>&lt;#&gt;</a:t>
             </a:fld>
           </a:p>
@@ -2987,7 +2987,7 @@
             <a:pPr indent="0" algn="r">
               <a:buNone/>
             </a:pPr>
-            <a:fld id="{54CB7423-3382-4236-9842-01849893793C}" type="slidenum">
+            <a:fld id="{192EC8FD-18BC-4F59-B8EF-2796C7F98B0D}" type="slidenum">
               <a:rPr b="0" lang="en-US" sz="1400" spc="-1" strike="noStrike">
                 <a:solidFill>
                   <a:srgbClr val="000000"/>
@@ -3212,7 +3212,7 @@
         <p:spPr>
           <a:xfrm>
             <a:off x="228600" y="457200"/>
-            <a:ext cx="2743200" cy="3886560"/>
+            <a:ext cx="2743200" cy="5285160"/>
           </a:xfrm>
           <a:prstGeom prst="rect">
             <a:avLst/>
@@ -3277,7 +3277,46 @@
                 </a:solidFill>
                 <a:latin typeface="Arial"/>
               </a:rPr>
-              <a:t>Locate tab at #1. This any new or changed files in your site/project</a:t>
+              <a:t>Locate tabs across top, specifically at #1 and then changes seen #2. You may need to, first time choose “Fetch origin” on #1</a:t>
+            </a:r>
+            <a:endParaRPr b="0" lang="en-US" sz="1400" spc="-1" strike="noStrike">
+              <a:solidFill>
+                <a:srgbClr val="000000"/>
+              </a:solidFill>
+              <a:latin typeface="Arial"/>
+            </a:endParaRPr>
+          </a:p>
+          <a:p>
+            <a:pPr marL="216000" indent="-216000">
+              <a:buClr>
+                <a:srgbClr val="000000"/>
+              </a:buClr>
+              <a:buFont typeface="OpenSymbol"/>
+              <a:buAutoNum type="arabicParenR"/>
+            </a:pPr>
+            <a:endParaRPr b="0" lang="en-US" sz="1400" spc="-1" strike="noStrike">
+              <a:solidFill>
+                <a:srgbClr val="000000"/>
+              </a:solidFill>
+              <a:latin typeface="Arial"/>
+            </a:endParaRPr>
+          </a:p>
+          <a:p>
+            <a:pPr marL="216000" indent="-216000">
+              <a:buClr>
+                <a:srgbClr val="000000"/>
+              </a:buClr>
+              <a:buFont typeface="OpenSymbol"/>
+              <a:buAutoNum type="arabicParenR"/>
+            </a:pPr>
+            <a:r>
+              <a:rPr b="0" lang="en-US" sz="1400" spc="-1" strike="noStrike">
+                <a:solidFill>
+                  <a:srgbClr val="000000"/>
+                </a:solidFill>
+                <a:latin typeface="Arial"/>
+              </a:rPr>
+              <a:t>This should get any new or changed files in your site/project online...and compare to local files.</a:t>
             </a:r>
             <a:br>
               <a:rPr sz="1400"/>
